--- a/documentation/Presentation.pptx
+++ b/documentation/Presentation.pptx
@@ -6064,15 +6064,7 @@
           <a:p>
             <a:r>
               <a:rPr lang="en-US" dirty="0"/>
-              <a:t>Implementation details and </a:t>
-            </a:r>
-            <a:r>
-              <a:rPr lang="en-US" dirty="0" err="1"/>
-              <a:t>screeshot</a:t>
-            </a:r>
-            <a:r>
-              <a:rPr lang="en-US" dirty="0"/>
-              <a:t>(s).</a:t>
+              <a:t>Implementation details and screenshot(s).</a:t>
             </a:r>
           </a:p>
           <a:p>
@@ -6171,7 +6163,7 @@
           <a:p>
             <a:r>
               <a:rPr lang="en-US" dirty="0"/>
-              <a:t>Every time a file is modified its hash value is changed. If the hash value has changed, we can assume that the file has been modified in some way.</a:t>
+              <a:t>Every time a file is modified its hash value is changes to a different value.</a:t>
             </a:r>
           </a:p>
           <a:p>
